--- a/R_proj/R_Study/Chap2/Stage2_Graph/임도균_과제6_wordcloud_graph.pptx
+++ b/R_proj/R_Study/Chap2/Stage2_Graph/임도균_과제6_wordcloud_graph.pptx
@@ -6,6 +6,9 @@
   </p:sldMasterIdLst>
   <p:sldIdLst>
     <p:sldId id="256" r:id="rId2"/>
+    <p:sldId id="257" r:id="rId3"/>
+    <p:sldId id="258" r:id="rId4"/>
+    <p:sldId id="259" r:id="rId5"/>
   </p:sldIdLst>
   <p:sldSz cx="12192000" cy="6858000"/>
   <p:notesSz cx="6858000" cy="9144000"/>
@@ -3468,12 +3471,664 @@
           <a:chExt cx="0" cy="0"/>
         </a:xfrm>
       </p:grpSpPr>
+      <p:sp>
+        <p:nvSpPr>
+          <p:cNvPr id="2" name="TextBox 1">
+            <a:extLst>
+              <a:ext uri="{FF2B5EF4-FFF2-40B4-BE49-F238E27FC236}">
+                <a16:creationId xmlns:a16="http://schemas.microsoft.com/office/drawing/2014/main" id="{CE117617-1A86-4ECF-A12F-5981D7ED3482}"/>
+              </a:ext>
+            </a:extLst>
+          </p:cNvPr>
+          <p:cNvSpPr txBox="1"/>
+          <p:nvPr/>
+        </p:nvSpPr>
+        <p:spPr>
+          <a:xfrm>
+            <a:off x="392475" y="282854"/>
+            <a:ext cx="3817071" cy="4539704"/>
+          </a:xfrm>
+          <a:prstGeom prst="rect">
+            <a:avLst/>
+          </a:prstGeom>
+          <a:noFill/>
+        </p:spPr>
+        <p:txBody>
+          <a:bodyPr wrap="none" rtlCol="0">
+            <a:spAutoFit/>
+          </a:bodyPr>
+          <a:lstStyle/>
+          <a:p>
+            <a:r>
+              <a:rPr lang="en-US" altLang="ko-KR" sz="2000" b="1" dirty="0"/>
+              <a:t>#1</a:t>
+            </a:r>
+            <a:endParaRPr lang="en-US" altLang="ko-KR" sz="1600" b="1" dirty="0"/>
+          </a:p>
+          <a:p>
+            <a:r>
+              <a:rPr lang="en-US" altLang="ko-KR" sz="1100" dirty="0"/>
+              <a:t>library(</a:t>
+            </a:r>
+            <a:r>
+              <a:rPr lang="en-US" altLang="ko-KR" sz="1100" dirty="0" err="1"/>
+              <a:t>KoNLP</a:t>
+            </a:r>
+            <a:r>
+              <a:rPr lang="en-US" altLang="ko-KR" sz="1100" dirty="0"/>
+              <a:t>)</a:t>
+            </a:r>
+          </a:p>
+          <a:p>
+            <a:r>
+              <a:rPr lang="en-US" altLang="ko-KR" sz="1100" dirty="0"/>
+              <a:t>library(</a:t>
+            </a:r>
+            <a:r>
+              <a:rPr lang="en-US" altLang="ko-KR" sz="1100" dirty="0" err="1"/>
+              <a:t>wordcloud</a:t>
+            </a:r>
+            <a:r>
+              <a:rPr lang="en-US" altLang="ko-KR" sz="1100" dirty="0"/>
+              <a:t>)</a:t>
+            </a:r>
+          </a:p>
+          <a:p>
+            <a:r>
+              <a:rPr lang="en-US" altLang="ko-KR" sz="1100" dirty="0"/>
+              <a:t>library(</a:t>
+            </a:r>
+            <a:r>
+              <a:rPr lang="en-US" altLang="ko-KR" sz="1100" dirty="0" err="1"/>
+              <a:t>stringr</a:t>
+            </a:r>
+            <a:r>
+              <a:rPr lang="en-US" altLang="ko-KR" sz="1100" dirty="0"/>
+              <a:t>)</a:t>
+            </a:r>
+          </a:p>
+          <a:p>
+            <a:r>
+              <a:rPr lang="en-US" altLang="ko-KR" sz="1100" dirty="0"/>
+              <a:t>library(</a:t>
+            </a:r>
+            <a:r>
+              <a:rPr lang="en-US" altLang="ko-KR" sz="1100" dirty="0" err="1"/>
+              <a:t>RColorBrewer</a:t>
+            </a:r>
+            <a:r>
+              <a:rPr lang="en-US" altLang="ko-KR" sz="1100" dirty="0"/>
+              <a:t>)</a:t>
+            </a:r>
+          </a:p>
+          <a:p>
+            <a:r>
+              <a:rPr lang="en-US" altLang="ko-KR" sz="1100" dirty="0"/>
+              <a:t>library(ggplot2)</a:t>
+            </a:r>
+          </a:p>
+          <a:p>
+            <a:r>
+              <a:rPr lang="en-US" altLang="ko-KR" sz="1100" dirty="0"/>
+              <a:t>library(</a:t>
+            </a:r>
+            <a:r>
+              <a:rPr lang="en-US" altLang="ko-KR" sz="1100" dirty="0" err="1"/>
+              <a:t>dplyr</a:t>
+            </a:r>
+            <a:r>
+              <a:rPr lang="en-US" altLang="ko-KR" sz="1100" dirty="0"/>
+              <a:t>)</a:t>
+            </a:r>
+          </a:p>
+          <a:p>
+            <a:endParaRPr lang="en-US" altLang="ko-KR" sz="1100" dirty="0"/>
+          </a:p>
+          <a:p>
+            <a:r>
+              <a:rPr lang="en-US" altLang="ko-KR" sz="1100" dirty="0" err="1"/>
+              <a:t>useSejongDic</a:t>
+            </a:r>
+            <a:r>
+              <a:rPr lang="en-US" altLang="ko-KR" sz="1100" dirty="0"/>
+              <a:t>()</a:t>
+            </a:r>
+          </a:p>
+          <a:p>
+            <a:endParaRPr lang="en-US" altLang="ko-KR" sz="1100" dirty="0"/>
+          </a:p>
+          <a:p>
+            <a:r>
+              <a:rPr lang="en-US" altLang="ko-KR" sz="1600" b="1" dirty="0"/>
+              <a:t>#2</a:t>
+            </a:r>
+            <a:endParaRPr lang="en-US" altLang="ko-KR" sz="1100" b="1" dirty="0"/>
+          </a:p>
+          <a:p>
+            <a:endParaRPr lang="en-US" altLang="ko-KR" sz="1100" dirty="0"/>
+          </a:p>
+          <a:p>
+            <a:r>
+              <a:rPr lang="en-US" altLang="ko-KR" sz="1100" dirty="0"/>
+              <a:t>data &lt;- </a:t>
+            </a:r>
+            <a:r>
+              <a:rPr lang="en-US" altLang="ko-KR" sz="1100" dirty="0" err="1"/>
+              <a:t>readLines</a:t>
+            </a:r>
+            <a:r>
+              <a:rPr lang="en-US" altLang="ko-KR" sz="1100" dirty="0"/>
+              <a:t>('data/hiphop.txt')</a:t>
+            </a:r>
+          </a:p>
+          <a:p>
+            <a:endParaRPr lang="en-US" altLang="ko-KR" sz="1100" dirty="0"/>
+          </a:p>
+          <a:p>
+            <a:r>
+              <a:rPr lang="en-US" altLang="ko-KR" sz="1100" dirty="0"/>
+              <a:t>words &lt;- </a:t>
+            </a:r>
+            <a:r>
+              <a:rPr lang="en-US" altLang="ko-KR" sz="1100" dirty="0" err="1"/>
+              <a:t>sapply</a:t>
+            </a:r>
+            <a:r>
+              <a:rPr lang="en-US" altLang="ko-KR" sz="1100" dirty="0"/>
+              <a:t>(data, </a:t>
+            </a:r>
+            <a:r>
+              <a:rPr lang="en-US" altLang="ko-KR" sz="1100" dirty="0" err="1"/>
+              <a:t>extractNoun</a:t>
+            </a:r>
+            <a:r>
+              <a:rPr lang="en-US" altLang="ko-KR" sz="1100" dirty="0"/>
+              <a:t>, USE.NAMES = F)</a:t>
+            </a:r>
+          </a:p>
+          <a:p>
+            <a:r>
+              <a:rPr lang="en-US" altLang="ko-KR" sz="1100" dirty="0" err="1"/>
+              <a:t>cdata</a:t>
+            </a:r>
+            <a:r>
+              <a:rPr lang="en-US" altLang="ko-KR" sz="1100" dirty="0"/>
+              <a:t> &lt;- </a:t>
+            </a:r>
+            <a:r>
+              <a:rPr lang="en-US" altLang="ko-KR" sz="1100" dirty="0" err="1"/>
+              <a:t>unlist</a:t>
+            </a:r>
+            <a:r>
+              <a:rPr lang="en-US" altLang="ko-KR" sz="1100" dirty="0"/>
+              <a:t>(words)</a:t>
+            </a:r>
+          </a:p>
+          <a:p>
+            <a:r>
+              <a:rPr lang="en-US" altLang="ko-KR" sz="1100" dirty="0"/>
+              <a:t>words &lt;- </a:t>
+            </a:r>
+            <a:r>
+              <a:rPr lang="en-US" altLang="ko-KR" sz="1100" dirty="0" err="1"/>
+              <a:t>str_replace_all</a:t>
+            </a:r>
+            <a:r>
+              <a:rPr lang="en-US" altLang="ko-KR" sz="1100" dirty="0"/>
+              <a:t>(</a:t>
+            </a:r>
+            <a:r>
+              <a:rPr lang="en-US" altLang="ko-KR" sz="1100" dirty="0" err="1"/>
+              <a:t>cdata</a:t>
+            </a:r>
+            <a:r>
+              <a:rPr lang="en-US" altLang="ko-KR" sz="1100" dirty="0"/>
+              <a:t>, "[^[:alpha:]]", "")</a:t>
+            </a:r>
+          </a:p>
+          <a:p>
+            <a:r>
+              <a:rPr lang="en-US" altLang="ko-KR" sz="1100" dirty="0"/>
+              <a:t>words &lt;- </a:t>
+            </a:r>
+            <a:r>
+              <a:rPr lang="en-US" altLang="ko-KR" sz="1100" dirty="0" err="1"/>
+              <a:t>gsub</a:t>
+            </a:r>
+            <a:r>
+              <a:rPr lang="en-US" altLang="ko-KR" sz="1100" dirty="0"/>
+              <a:t>(' ', '', words)</a:t>
+            </a:r>
+          </a:p>
+          <a:p>
+            <a:r>
+              <a:rPr lang="en-US" altLang="ko-KR" sz="1100" dirty="0"/>
+              <a:t>words &lt;- Filter(function(x) {</a:t>
+            </a:r>
+            <a:r>
+              <a:rPr lang="en-US" altLang="ko-KR" sz="1100" dirty="0" err="1"/>
+              <a:t>nchar</a:t>
+            </a:r>
+            <a:r>
+              <a:rPr lang="en-US" altLang="ko-KR" sz="1100" dirty="0"/>
+              <a:t>(x) &gt;= 2}, </a:t>
+            </a:r>
+            <a:r>
+              <a:rPr lang="en-US" altLang="ko-KR" sz="1100" dirty="0" err="1"/>
+              <a:t>unlist</a:t>
+            </a:r>
+            <a:r>
+              <a:rPr lang="en-US" altLang="ko-KR" sz="1100" dirty="0"/>
+              <a:t>(words))</a:t>
+            </a:r>
+          </a:p>
+          <a:p>
+            <a:endParaRPr lang="en-US" altLang="ko-KR" sz="1100" dirty="0"/>
+          </a:p>
+          <a:p>
+            <a:r>
+              <a:rPr lang="en-US" altLang="ko-KR" sz="1100" dirty="0"/>
+              <a:t>write(</a:t>
+            </a:r>
+            <a:r>
+              <a:rPr lang="en-US" altLang="ko-KR" sz="1100" dirty="0" err="1"/>
+              <a:t>unlist</a:t>
+            </a:r>
+            <a:r>
+              <a:rPr lang="en-US" altLang="ko-KR" sz="1100" dirty="0"/>
+              <a:t>(words), 'data/hiphop_2.txt')</a:t>
+            </a:r>
+          </a:p>
+          <a:p>
+            <a:r>
+              <a:rPr lang="en-US" altLang="ko-KR" sz="1100" dirty="0"/>
+              <a:t>rev &lt;- </a:t>
+            </a:r>
+            <a:r>
+              <a:rPr lang="en-US" altLang="ko-KR" sz="1100" dirty="0" err="1"/>
+              <a:t>read.table</a:t>
+            </a:r>
+            <a:r>
+              <a:rPr lang="en-US" altLang="ko-KR" sz="1100" dirty="0"/>
+              <a:t>('data/hiphop_2.txt')</a:t>
+            </a:r>
+          </a:p>
+          <a:p>
+            <a:r>
+              <a:rPr lang="en-US" altLang="ko-KR" sz="1100" dirty="0"/>
+              <a:t>wordcount &lt;- table(rev)</a:t>
+            </a:r>
+          </a:p>
+          <a:p>
+            <a:r>
+              <a:rPr lang="en-US" altLang="ko-KR" sz="1100" dirty="0"/>
+              <a:t>head(sort(wordcount, decreasing = T), 10)</a:t>
+            </a:r>
+          </a:p>
+          <a:p>
+            <a:endParaRPr lang="en-US" altLang="ko-KR" sz="1100" dirty="0"/>
+          </a:p>
+        </p:txBody>
+      </p:sp>
+      <p:sp>
+        <p:nvSpPr>
+          <p:cNvPr id="5" name="TextBox 4">
+            <a:extLst>
+              <a:ext uri="{FF2B5EF4-FFF2-40B4-BE49-F238E27FC236}">
+                <a16:creationId xmlns:a16="http://schemas.microsoft.com/office/drawing/2014/main" id="{F977A963-3CDD-41B5-A024-1D683D74325A}"/>
+              </a:ext>
+            </a:extLst>
+          </p:cNvPr>
+          <p:cNvSpPr txBox="1"/>
+          <p:nvPr/>
+        </p:nvSpPr>
+        <p:spPr>
+          <a:xfrm>
+            <a:off x="5819503" y="777240"/>
+            <a:ext cx="5739328" cy="923330"/>
+          </a:xfrm>
+          <a:prstGeom prst="rect">
+            <a:avLst/>
+          </a:prstGeom>
+          <a:noFill/>
+        </p:spPr>
+        <p:txBody>
+          <a:bodyPr wrap="none" rtlCol="0">
+            <a:spAutoFit/>
+          </a:bodyPr>
+          <a:lstStyle/>
+          <a:p>
+            <a:pPr marL="342900" indent="-342900">
+              <a:buAutoNum type="arabicPeriod"/>
+            </a:pPr>
+            <a:r>
+              <a:rPr lang="ko-KR" altLang="en-US" dirty="0"/>
+              <a:t>필요한 라이브러리 로드</a:t>
+            </a:r>
+            <a:endParaRPr lang="en-US" altLang="ko-KR" dirty="0"/>
+          </a:p>
+          <a:p>
+            <a:pPr marL="342900" indent="-342900">
+              <a:buAutoNum type="arabicPeriod"/>
+            </a:pPr>
+            <a:endParaRPr lang="en-US" altLang="ko-KR" dirty="0"/>
+          </a:p>
+          <a:p>
+            <a:pPr marL="342900" indent="-342900">
+              <a:buAutoNum type="arabicPeriod"/>
+            </a:pPr>
+            <a:r>
+              <a:rPr lang="en-US" altLang="ko-KR" dirty="0"/>
+              <a:t>Hiphop.txt </a:t>
+            </a:r>
+            <a:r>
+              <a:rPr lang="ko-KR" altLang="en-US" dirty="0"/>
+              <a:t>를 읽어서 데이터 </a:t>
+            </a:r>
+            <a:r>
+              <a:rPr lang="ko-KR" altLang="en-US" dirty="0" err="1"/>
+              <a:t>전처리</a:t>
+            </a:r>
+            <a:r>
+              <a:rPr lang="ko-KR" altLang="en-US" dirty="0"/>
+              <a:t> 과정을 거침</a:t>
+            </a:r>
+            <a:r>
+              <a:rPr lang="en-US" altLang="ko-KR" dirty="0"/>
+              <a:t>.</a:t>
+            </a:r>
+            <a:r>
+              <a:rPr lang="ko-KR" altLang="en-US" dirty="0"/>
+              <a:t>  </a:t>
+            </a:r>
+          </a:p>
+        </p:txBody>
+      </p:sp>
+    </p:spTree>
+  </p:cSld>
+  <p:clrMapOvr>
+    <a:masterClrMapping/>
+  </p:clrMapOvr>
+</p:sld>
+</file>
+
+<file path=ppt/slides/slide2.xml><?xml version="1.0" encoding="utf-8"?>
+<p:sld xmlns:a="http://schemas.openxmlformats.org/drawingml/2006/main" xmlns:r="http://schemas.openxmlformats.org/officeDocument/2006/relationships" xmlns:p="http://schemas.openxmlformats.org/presentationml/2006/main">
+  <p:cSld>
+    <p:spTree>
+      <p:nvGrpSpPr>
+        <p:cNvPr id="1" name=""/>
+        <p:cNvGrpSpPr/>
+        <p:nvPr/>
+      </p:nvGrpSpPr>
+      <p:grpSpPr>
+        <a:xfrm>
+          <a:off x="0" y="0"/>
+          <a:ext cx="0" cy="0"/>
+          <a:chOff x="0" y="0"/>
+          <a:chExt cx="0" cy="0"/>
+        </a:xfrm>
+      </p:grpSpPr>
+      <p:sp>
+        <p:nvSpPr>
+          <p:cNvPr id="2" name="TextBox 1">
+            <a:extLst>
+              <a:ext uri="{FF2B5EF4-FFF2-40B4-BE49-F238E27FC236}">
+                <a16:creationId xmlns:a16="http://schemas.microsoft.com/office/drawing/2014/main" id="{CE117617-1A86-4ECF-A12F-5981D7ED3482}"/>
+              </a:ext>
+            </a:extLst>
+          </p:cNvPr>
+          <p:cNvSpPr txBox="1"/>
+          <p:nvPr/>
+        </p:nvSpPr>
+        <p:spPr>
+          <a:xfrm>
+            <a:off x="392475" y="282854"/>
+            <a:ext cx="6878806" cy="1785104"/>
+          </a:xfrm>
+          <a:prstGeom prst="rect">
+            <a:avLst/>
+          </a:prstGeom>
+          <a:noFill/>
+        </p:spPr>
+        <p:txBody>
+          <a:bodyPr wrap="none" rtlCol="0">
+            <a:spAutoFit/>
+          </a:bodyPr>
+          <a:lstStyle/>
+          <a:p>
+            <a:r>
+              <a:rPr lang="en-US" altLang="ko-KR" sz="1100" dirty="0"/>
+              <a:t>## </a:t>
+            </a:r>
+            <a:r>
+              <a:rPr lang="en-US" altLang="ko-KR" sz="1100" dirty="0" err="1"/>
+              <a:t>wordcloud</a:t>
+            </a:r>
+            <a:endParaRPr lang="en-US" altLang="ko-KR" sz="1100" dirty="0"/>
+          </a:p>
+          <a:p>
+            <a:endParaRPr lang="en-US" altLang="ko-KR" sz="1100" dirty="0"/>
+          </a:p>
+          <a:p>
+            <a:r>
+              <a:rPr lang="en-US" altLang="ko-KR" sz="1100" dirty="0" err="1"/>
+              <a:t>palete</a:t>
+            </a:r>
+            <a:r>
+              <a:rPr lang="en-US" altLang="ko-KR" sz="1100" dirty="0"/>
+              <a:t> &lt;- </a:t>
+            </a:r>
+            <a:r>
+              <a:rPr lang="en-US" altLang="ko-KR" sz="1100" dirty="0" err="1"/>
+              <a:t>brewer.pal</a:t>
+            </a:r>
+            <a:r>
+              <a:rPr lang="en-US" altLang="ko-KR" sz="1100" dirty="0"/>
+              <a:t>(9, 'Set1')</a:t>
+            </a:r>
+          </a:p>
+          <a:p>
+            <a:endParaRPr lang="en-US" altLang="ko-KR" sz="1100" dirty="0"/>
+          </a:p>
+          <a:p>
+            <a:r>
+              <a:rPr lang="en-US" altLang="ko-KR" sz="1100" dirty="0" err="1"/>
+              <a:t>wordcloud</a:t>
+            </a:r>
+            <a:r>
+              <a:rPr lang="en-US" altLang="ko-KR" sz="1100" dirty="0"/>
+              <a:t>(names(wordcount), </a:t>
+            </a:r>
+            <a:r>
+              <a:rPr lang="en-US" altLang="ko-KR" sz="1100" dirty="0" err="1"/>
+              <a:t>freq</a:t>
+            </a:r>
+            <a:r>
+              <a:rPr lang="en-US" altLang="ko-KR" sz="1100" dirty="0"/>
+              <a:t>=wordcount, scale=c(5,1), </a:t>
+            </a:r>
+            <a:r>
+              <a:rPr lang="en-US" altLang="ko-KR" sz="1100" dirty="0" err="1"/>
+              <a:t>rot.per</a:t>
+            </a:r>
+            <a:r>
+              <a:rPr lang="en-US" altLang="ko-KR" sz="1100" dirty="0"/>
+              <a:t> = 0.25, </a:t>
+            </a:r>
+            <a:r>
+              <a:rPr lang="en-US" altLang="ko-KR" sz="1100" dirty="0" err="1"/>
+              <a:t>min.freq</a:t>
+            </a:r>
+            <a:r>
+              <a:rPr lang="en-US" altLang="ko-KR" sz="1100" dirty="0"/>
+              <a:t> = 2, colors=</a:t>
+            </a:r>
+            <a:r>
+              <a:rPr lang="en-US" altLang="ko-KR" sz="1100" dirty="0" err="1"/>
+              <a:t>palete</a:t>
+            </a:r>
+            <a:r>
+              <a:rPr lang="en-US" altLang="ko-KR" sz="1100" dirty="0"/>
+              <a:t>,</a:t>
+            </a:r>
+          </a:p>
+          <a:p>
+            <a:r>
+              <a:rPr lang="en-US" altLang="ko-KR" sz="1100" dirty="0"/>
+              <a:t>          </a:t>
+            </a:r>
+            <a:r>
+              <a:rPr lang="en-US" altLang="ko-KR" sz="1100" dirty="0" err="1"/>
+              <a:t>random.order</a:t>
+            </a:r>
+            <a:r>
+              <a:rPr lang="en-US" altLang="ko-KR" sz="1100" dirty="0"/>
+              <a:t>=F, </a:t>
+            </a:r>
+            <a:r>
+              <a:rPr lang="en-US" altLang="ko-KR" sz="1100" dirty="0" err="1"/>
+              <a:t>random.color</a:t>
+            </a:r>
+            <a:r>
+              <a:rPr lang="en-US" altLang="ko-KR" sz="1100" dirty="0"/>
+              <a:t>=T)</a:t>
+            </a:r>
+          </a:p>
+          <a:p>
+            <a:r>
+              <a:rPr lang="en-US" altLang="ko-KR" sz="1100" dirty="0"/>
+              <a:t>legend(0.3, 1, '</a:t>
+            </a:r>
+            <a:r>
+              <a:rPr lang="ko-KR" altLang="en-US" sz="1100" dirty="0"/>
+              <a:t>힙합 가사 단어 분석</a:t>
+            </a:r>
+            <a:r>
+              <a:rPr lang="en-US" altLang="ko-KR" sz="1100" dirty="0"/>
+              <a:t>', </a:t>
+            </a:r>
+            <a:r>
+              <a:rPr lang="en-US" altLang="ko-KR" sz="1100" dirty="0" err="1"/>
+              <a:t>cex</a:t>
+            </a:r>
+            <a:r>
+              <a:rPr lang="en-US" altLang="ko-KR" sz="1100" dirty="0"/>
+              <a:t>=0.8, fill=NA, border=NA, </a:t>
+            </a:r>
+            <a:r>
+              <a:rPr lang="en-US" altLang="ko-KR" sz="1100" dirty="0" err="1"/>
+              <a:t>bg</a:t>
+            </a:r>
+            <a:r>
+              <a:rPr lang="en-US" altLang="ko-KR" sz="1100" dirty="0"/>
+              <a:t>='white',</a:t>
+            </a:r>
+          </a:p>
+          <a:p>
+            <a:r>
+              <a:rPr lang="en-US" altLang="ko-KR" sz="1100" dirty="0"/>
+              <a:t>       </a:t>
+            </a:r>
+            <a:r>
+              <a:rPr lang="en-US" altLang="ko-KR" sz="1100" dirty="0" err="1"/>
+              <a:t>text.col</a:t>
+            </a:r>
+            <a:r>
+              <a:rPr lang="en-US" altLang="ko-KR" sz="1100" dirty="0"/>
+              <a:t>='red', </a:t>
+            </a:r>
+            <a:r>
+              <a:rPr lang="en-US" altLang="ko-KR" sz="1100" dirty="0" err="1"/>
+              <a:t>text.font</a:t>
+            </a:r>
+            <a:r>
+              <a:rPr lang="en-US" altLang="ko-KR" sz="1100" dirty="0"/>
+              <a:t>=2, </a:t>
+            </a:r>
+            <a:r>
+              <a:rPr lang="en-US" altLang="ko-KR" sz="1100" dirty="0" err="1"/>
+              <a:t>box.col</a:t>
+            </a:r>
+            <a:r>
+              <a:rPr lang="en-US" altLang="ko-KR" sz="1100" dirty="0"/>
+              <a:t>='red')</a:t>
+            </a:r>
+          </a:p>
+          <a:p>
+            <a:endParaRPr lang="en-US" altLang="ko-KR" sz="1100" dirty="0"/>
+          </a:p>
+          <a:p>
+            <a:r>
+              <a:rPr lang="en-US" altLang="ko-KR" sz="1100" dirty="0"/>
+              <a:t> </a:t>
+            </a:r>
+            <a:endParaRPr lang="ko-KR" altLang="en-US" sz="1100" dirty="0"/>
+          </a:p>
+        </p:txBody>
+      </p:sp>
+      <p:sp>
+        <p:nvSpPr>
+          <p:cNvPr id="3" name="TextBox 2">
+            <a:extLst>
+              <a:ext uri="{FF2B5EF4-FFF2-40B4-BE49-F238E27FC236}">
+                <a16:creationId xmlns:a16="http://schemas.microsoft.com/office/drawing/2014/main" id="{DA67B37E-08BF-4A57-8237-70095D7381F2}"/>
+              </a:ext>
+            </a:extLst>
+          </p:cNvPr>
+          <p:cNvSpPr txBox="1"/>
+          <p:nvPr/>
+        </p:nvSpPr>
+        <p:spPr>
+          <a:xfrm>
+            <a:off x="509451" y="4164652"/>
+            <a:ext cx="5410455" cy="369332"/>
+          </a:xfrm>
+          <a:prstGeom prst="rect">
+            <a:avLst/>
+          </a:prstGeom>
+          <a:noFill/>
+        </p:spPr>
+        <p:txBody>
+          <a:bodyPr wrap="none" rtlCol="0">
+            <a:spAutoFit/>
+          </a:bodyPr>
+          <a:lstStyle/>
+          <a:p>
+            <a:r>
+              <a:rPr lang="ko-KR" altLang="en-US" dirty="0"/>
+              <a:t>팔레트와 </a:t>
+            </a:r>
+            <a:r>
+              <a:rPr lang="ko-KR" altLang="en-US" dirty="0" err="1"/>
+              <a:t>워드클라우드를</a:t>
+            </a:r>
+            <a:r>
+              <a:rPr lang="ko-KR" altLang="en-US" dirty="0"/>
+              <a:t> 만들고</a:t>
+            </a:r>
+            <a:r>
+              <a:rPr lang="en-US" altLang="ko-KR" dirty="0"/>
+              <a:t>, </a:t>
+            </a:r>
+            <a:r>
+              <a:rPr lang="ko-KR" altLang="en-US" dirty="0"/>
+              <a:t>제목을 작성한다</a:t>
+            </a:r>
+            <a:r>
+              <a:rPr lang="en-US" altLang="ko-KR" dirty="0"/>
+              <a:t>.</a:t>
+            </a:r>
+            <a:endParaRPr lang="ko-KR" altLang="en-US" dirty="0"/>
+          </a:p>
+        </p:txBody>
+      </p:sp>
       <p:pic>
         <p:nvPicPr>
-          <p:cNvPr id="3" name="그림 8">
-            <a:extLst>
-              <a:ext uri="{FF2B5EF4-FFF2-40B4-BE49-F238E27FC236}">
-                <a16:creationId xmlns:a16="http://schemas.microsoft.com/office/drawing/2014/main" id="{1697FF18-2ED8-4AC2-AB74-828A25AA2684}"/>
+          <p:cNvPr id="9" name="그림 8">
+            <a:extLst>
+              <a:ext uri="{FF2B5EF4-FFF2-40B4-BE49-F238E27FC236}">
+                <a16:creationId xmlns:a16="http://schemas.microsoft.com/office/drawing/2014/main" id="{5B81FC01-9CB0-420E-9E10-EC664E78C7DF}"/>
               </a:ext>
             </a:extLst>
           </p:cNvPr>
@@ -3483,75 +4138,7 @@
           <p:nvPr/>
         </p:nvPicPr>
         <p:blipFill>
-          <a:blip r:embed="rId2"/>
-          <a:stretch>
-            <a:fillRect/>
-          </a:stretch>
-        </p:blipFill>
-        <p:spPr>
-          <a:xfrm>
-            <a:off x="274694" y="1386751"/>
-            <a:ext cx="3810533" cy="4267797"/>
-          </a:xfrm>
-          <a:prstGeom prst="rect">
-            <a:avLst/>
-          </a:prstGeom>
-          <a:noFill/>
-          <a:ln cap="flat">
-            <a:noFill/>
-          </a:ln>
-        </p:spPr>
-      </p:pic>
-      <p:pic>
-        <p:nvPicPr>
-          <p:cNvPr id="4" name="그림 10" descr="스크린샷이(가) 표시된 사진&#10;&#10;자동 생성된 설명">
-            <a:extLst>
-              <a:ext uri="{FF2B5EF4-FFF2-40B4-BE49-F238E27FC236}">
-                <a16:creationId xmlns:a16="http://schemas.microsoft.com/office/drawing/2014/main" id="{D02A700D-B34B-4D39-AF77-0E8CD1F11418}"/>
-              </a:ext>
-            </a:extLst>
-          </p:cNvPr>
-          <p:cNvPicPr>
-            <a:picLocks noChangeAspect="1"/>
-          </p:cNvPicPr>
-          <p:nvPr/>
-        </p:nvPicPr>
-        <p:blipFill>
-          <a:blip r:embed="rId3"/>
-          <a:stretch>
-            <a:fillRect/>
-          </a:stretch>
-        </p:blipFill>
-        <p:spPr>
-          <a:xfrm>
-            <a:off x="7895761" y="1632725"/>
-            <a:ext cx="3810533" cy="4267797"/>
-          </a:xfrm>
-          <a:prstGeom prst="rect">
-            <a:avLst/>
-          </a:prstGeom>
-          <a:noFill/>
-          <a:ln cap="flat">
-            <a:noFill/>
-          </a:ln>
-        </p:spPr>
-      </p:pic>
-      <p:pic>
-        <p:nvPicPr>
-          <p:cNvPr id="6" name="그림 5" descr="스크린샷이(가) 표시된 사진&#10;&#10;자동 생성된 설명">
-            <a:extLst>
-              <a:ext uri="{FF2B5EF4-FFF2-40B4-BE49-F238E27FC236}">
-                <a16:creationId xmlns:a16="http://schemas.microsoft.com/office/drawing/2014/main" id="{4BAB6C08-A6D7-446A-BB16-2BA091EDBDF7}"/>
-              </a:ext>
-            </a:extLst>
-          </p:cNvPr>
-          <p:cNvPicPr>
-            <a:picLocks noChangeAspect="1"/>
-          </p:cNvPicPr>
-          <p:nvPr/>
-        </p:nvPicPr>
-        <p:blipFill>
-          <a:blip r:embed="rId4">
+          <a:blip r:embed="rId2">
             <a:extLst>
               <a:ext uri="{28A0092B-C50C-407E-A947-70E740481C1C}">
                 <a14:useLocalDpi xmlns:a14="http://schemas.microsoft.com/office/drawing/2010/main" val="0"/>
@@ -3564,7 +4151,7 @@
         </p:blipFill>
         <p:spPr>
           <a:xfrm>
-            <a:off x="4190734" y="1295102"/>
+            <a:off x="7382160" y="1688061"/>
             <a:ext cx="3810532" cy="4267796"/>
           </a:xfrm>
           <a:prstGeom prst="rect">
@@ -3573,6 +4160,690 @@
         </p:spPr>
       </p:pic>
     </p:spTree>
+    <p:extLst>
+      <p:ext uri="{BB962C8B-B14F-4D97-AF65-F5344CB8AC3E}">
+        <p14:creationId xmlns:p14="http://schemas.microsoft.com/office/powerpoint/2010/main" val="1947682378"/>
+      </p:ext>
+    </p:extLst>
+  </p:cSld>
+  <p:clrMapOvr>
+    <a:masterClrMapping/>
+  </p:clrMapOvr>
+</p:sld>
+</file>
+
+<file path=ppt/slides/slide3.xml><?xml version="1.0" encoding="utf-8"?>
+<p:sld xmlns:a="http://schemas.openxmlformats.org/drawingml/2006/main" xmlns:r="http://schemas.openxmlformats.org/officeDocument/2006/relationships" xmlns:p="http://schemas.openxmlformats.org/presentationml/2006/main">
+  <p:cSld>
+    <p:spTree>
+      <p:nvGrpSpPr>
+        <p:cNvPr id="1" name=""/>
+        <p:cNvGrpSpPr/>
+        <p:nvPr/>
+      </p:nvGrpSpPr>
+      <p:grpSpPr>
+        <a:xfrm>
+          <a:off x="0" y="0"/>
+          <a:ext cx="0" cy="0"/>
+          <a:chOff x="0" y="0"/>
+          <a:chExt cx="0" cy="0"/>
+        </a:xfrm>
+      </p:grpSpPr>
+      <p:sp>
+        <p:nvSpPr>
+          <p:cNvPr id="2" name="TextBox 1">
+            <a:extLst>
+              <a:ext uri="{FF2B5EF4-FFF2-40B4-BE49-F238E27FC236}">
+                <a16:creationId xmlns:a16="http://schemas.microsoft.com/office/drawing/2014/main" id="{CE117617-1A86-4ECF-A12F-5981D7ED3482}"/>
+              </a:ext>
+            </a:extLst>
+          </p:cNvPr>
+          <p:cNvSpPr txBox="1"/>
+          <p:nvPr/>
+        </p:nvSpPr>
+        <p:spPr>
+          <a:xfrm>
+            <a:off x="392475" y="282854"/>
+            <a:ext cx="4996881" cy="3477875"/>
+          </a:xfrm>
+          <a:prstGeom prst="rect">
+            <a:avLst/>
+          </a:prstGeom>
+          <a:noFill/>
+        </p:spPr>
+        <p:txBody>
+          <a:bodyPr wrap="none" rtlCol="0">
+            <a:spAutoFit/>
+          </a:bodyPr>
+          <a:lstStyle/>
+          <a:p>
+            <a:r>
+              <a:rPr lang="en-US" altLang="ko-KR" sz="1100" dirty="0"/>
+              <a:t># pie graph</a:t>
+            </a:r>
+          </a:p>
+          <a:p>
+            <a:endParaRPr lang="en-US" altLang="ko-KR" sz="1100" dirty="0"/>
+          </a:p>
+          <a:p>
+            <a:r>
+              <a:rPr lang="en-US" altLang="ko-KR" sz="1100" dirty="0"/>
+              <a:t>top10 &lt;- head(sort(wordcount, decreasing=T),10)</a:t>
+            </a:r>
+          </a:p>
+          <a:p>
+            <a:r>
+              <a:rPr lang="en-US" altLang="ko-KR" sz="1100" dirty="0"/>
+              <a:t>df_top10 &lt;- </a:t>
+            </a:r>
+            <a:r>
+              <a:rPr lang="en-US" altLang="ko-KR" sz="1100" dirty="0" err="1"/>
+              <a:t>as.data.frame</a:t>
+            </a:r>
+            <a:r>
+              <a:rPr lang="en-US" altLang="ko-KR" sz="1100" dirty="0"/>
+              <a:t>(top10)</a:t>
+            </a:r>
+          </a:p>
+          <a:p>
+            <a:r>
+              <a:rPr lang="en-US" altLang="ko-KR" sz="1100" dirty="0"/>
+              <a:t>df_top10</a:t>
+            </a:r>
+          </a:p>
+          <a:p>
+            <a:endParaRPr lang="en-US" altLang="ko-KR" sz="1100" dirty="0"/>
+          </a:p>
+          <a:p>
+            <a:r>
+              <a:rPr lang="en-US" altLang="ko-KR" sz="1100" dirty="0"/>
+              <a:t>options(digits=2)</a:t>
+            </a:r>
+          </a:p>
+          <a:p>
+            <a:r>
+              <a:rPr lang="en-US" altLang="ko-KR" sz="1100" dirty="0"/>
+              <a:t>df_top10 &lt;- df_top10 %&gt;% </a:t>
+            </a:r>
+          </a:p>
+          <a:p>
+            <a:r>
+              <a:rPr lang="en-US" altLang="ko-KR" sz="1100" dirty="0"/>
+              <a:t>  mutate(</a:t>
+            </a:r>
+            <a:r>
+              <a:rPr lang="en-US" altLang="ko-KR" sz="1100" dirty="0" err="1"/>
+              <a:t>pct</a:t>
+            </a:r>
+            <a:r>
+              <a:rPr lang="en-US" altLang="ko-KR" sz="1100" dirty="0"/>
+              <a:t> = Freq / sum(Freq) * 100) %&gt;% </a:t>
+            </a:r>
+          </a:p>
+          <a:p>
+            <a:r>
+              <a:rPr lang="en-US" altLang="ko-KR" sz="1100" dirty="0"/>
+              <a:t>  # mutate(</a:t>
+            </a:r>
+            <a:r>
+              <a:rPr lang="en-US" altLang="ko-KR" sz="1100" dirty="0" err="1"/>
+              <a:t>ylabel</a:t>
+            </a:r>
+            <a:r>
+              <a:rPr lang="en-US" altLang="ko-KR" sz="1100" dirty="0"/>
+              <a:t> = paste(</a:t>
+            </a:r>
+            <a:r>
+              <a:rPr lang="en-US" altLang="ko-KR" sz="1100" dirty="0" err="1"/>
+              <a:t>sprintf</a:t>
+            </a:r>
+            <a:r>
+              <a:rPr lang="en-US" altLang="ko-KR" sz="1100" dirty="0"/>
+              <a:t>("%s\n%4.1f", rev, </a:t>
+            </a:r>
+            <a:r>
+              <a:rPr lang="en-US" altLang="ko-KR" sz="1100" dirty="0" err="1"/>
+              <a:t>pct</a:t>
+            </a:r>
+            <a:r>
+              <a:rPr lang="en-US" altLang="ko-KR" sz="1100" dirty="0"/>
+              <a:t>), '%', seq='')) %&gt;% </a:t>
+            </a:r>
+          </a:p>
+          <a:p>
+            <a:r>
+              <a:rPr lang="en-US" altLang="ko-KR" sz="1100" dirty="0"/>
+              <a:t>  mutate(</a:t>
+            </a:r>
+            <a:r>
+              <a:rPr lang="en-US" altLang="ko-KR" sz="1100" dirty="0" err="1"/>
+              <a:t>ylabel</a:t>
+            </a:r>
+            <a:r>
+              <a:rPr lang="en-US" altLang="ko-KR" sz="1100" dirty="0"/>
+              <a:t> = paste(</a:t>
+            </a:r>
+            <a:r>
+              <a:rPr lang="en-US" altLang="ko-KR" sz="1100" dirty="0" err="1"/>
+              <a:t>sprintf</a:t>
+            </a:r>
+            <a:r>
+              <a:rPr lang="en-US" altLang="ko-KR" sz="1100" dirty="0"/>
+              <a:t>("%4.1f", </a:t>
+            </a:r>
+            <a:r>
+              <a:rPr lang="en-US" altLang="ko-KR" sz="1100" dirty="0" err="1"/>
+              <a:t>pct</a:t>
+            </a:r>
+            <a:r>
+              <a:rPr lang="en-US" altLang="ko-KR" sz="1100" dirty="0"/>
+              <a:t>), '%', seq='')) %&gt;% </a:t>
+            </a:r>
+          </a:p>
+          <a:p>
+            <a:r>
+              <a:rPr lang="en-US" altLang="ko-KR" sz="1100" dirty="0"/>
+              <a:t>  arrange(desc(rev)) %&gt;% </a:t>
+            </a:r>
+          </a:p>
+          <a:p>
+            <a:r>
+              <a:rPr lang="en-US" altLang="ko-KR" sz="1100" dirty="0"/>
+              <a:t>  mutate(</a:t>
+            </a:r>
+            <a:r>
+              <a:rPr lang="en-US" altLang="ko-KR" sz="1100" dirty="0" err="1"/>
+              <a:t>ypos</a:t>
+            </a:r>
+            <a:r>
+              <a:rPr lang="en-US" altLang="ko-KR" sz="1100" dirty="0"/>
+              <a:t> = </a:t>
+            </a:r>
+            <a:r>
+              <a:rPr lang="en-US" altLang="ko-KR" sz="1100" dirty="0" err="1"/>
+              <a:t>cumsum</a:t>
+            </a:r>
+            <a:r>
+              <a:rPr lang="en-US" altLang="ko-KR" sz="1100" dirty="0"/>
+              <a:t>(</a:t>
+            </a:r>
+            <a:r>
+              <a:rPr lang="en-US" altLang="ko-KR" sz="1100" dirty="0" err="1"/>
+              <a:t>pct</a:t>
+            </a:r>
+            <a:r>
+              <a:rPr lang="en-US" altLang="ko-KR" sz="1100" dirty="0"/>
+              <a:t>) - 0.5*</a:t>
+            </a:r>
+            <a:r>
+              <a:rPr lang="en-US" altLang="ko-KR" sz="1100" dirty="0" err="1"/>
+              <a:t>pct</a:t>
+            </a:r>
+            <a:r>
+              <a:rPr lang="en-US" altLang="ko-KR" sz="1100" dirty="0"/>
+              <a:t>)</a:t>
+            </a:r>
+          </a:p>
+          <a:p>
+            <a:r>
+              <a:rPr lang="en-US" altLang="ko-KR" sz="1100" dirty="0"/>
+              <a:t>df_top10</a:t>
+            </a:r>
+          </a:p>
+          <a:p>
+            <a:endParaRPr lang="en-US" altLang="ko-KR" sz="1100" dirty="0"/>
+          </a:p>
+          <a:p>
+            <a:r>
+              <a:rPr lang="en-US" altLang="ko-KR" sz="1100" dirty="0" err="1"/>
+              <a:t>ggplot</a:t>
+            </a:r>
+            <a:r>
+              <a:rPr lang="en-US" altLang="ko-KR" sz="1100" dirty="0"/>
+              <a:t>(df_top10, </a:t>
+            </a:r>
+            <a:r>
+              <a:rPr lang="en-US" altLang="ko-KR" sz="1100" dirty="0" err="1"/>
+              <a:t>aes</a:t>
+            </a:r>
+            <a:r>
+              <a:rPr lang="en-US" altLang="ko-KR" sz="1100" dirty="0"/>
+              <a:t>(x='', y=</a:t>
+            </a:r>
+            <a:r>
+              <a:rPr lang="en-US" altLang="ko-KR" sz="1100" dirty="0" err="1"/>
+              <a:t>pct</a:t>
+            </a:r>
+            <a:r>
+              <a:rPr lang="en-US" altLang="ko-KR" sz="1100" dirty="0"/>
+              <a:t>, fill=rev)) +</a:t>
+            </a:r>
+          </a:p>
+          <a:p>
+            <a:r>
+              <a:rPr lang="en-US" altLang="ko-KR" sz="1100" dirty="0"/>
+              <a:t>  </a:t>
+            </a:r>
+            <a:r>
+              <a:rPr lang="en-US" altLang="ko-KR" sz="1100" dirty="0" err="1"/>
+              <a:t>geom_bar</a:t>
+            </a:r>
+            <a:r>
+              <a:rPr lang="en-US" altLang="ko-KR" sz="1100" dirty="0"/>
+              <a:t>(width=1, stat='identity') +</a:t>
+            </a:r>
+          </a:p>
+          <a:p>
+            <a:r>
+              <a:rPr lang="en-US" altLang="ko-KR" sz="1100" dirty="0"/>
+              <a:t>  </a:t>
+            </a:r>
+            <a:r>
+              <a:rPr lang="en-US" altLang="ko-KR" sz="1100" dirty="0" err="1"/>
+              <a:t>coord_polar</a:t>
+            </a:r>
+            <a:r>
+              <a:rPr lang="en-US" altLang="ko-KR" sz="1100" dirty="0"/>
+              <a:t>('y', start=0) + </a:t>
+            </a:r>
+          </a:p>
+          <a:p>
+            <a:r>
+              <a:rPr lang="en-US" altLang="ko-KR" sz="1100" dirty="0"/>
+              <a:t>  </a:t>
+            </a:r>
+            <a:r>
+              <a:rPr lang="en-US" altLang="ko-KR" sz="1100" dirty="0" err="1"/>
+              <a:t>ggtitle</a:t>
+            </a:r>
+            <a:r>
+              <a:rPr lang="en-US" altLang="ko-KR" sz="1100" dirty="0"/>
+              <a:t>('</a:t>
+            </a:r>
+            <a:r>
+              <a:rPr lang="ko-KR" altLang="en-US" sz="1100" dirty="0"/>
+              <a:t>힙합 가사 단어 분석 </a:t>
+            </a:r>
+            <a:r>
+              <a:rPr lang="en-US" altLang="ko-KR" sz="1100" dirty="0"/>
+              <a:t>top 10') +</a:t>
+            </a:r>
+          </a:p>
+          <a:p>
+            <a:r>
+              <a:rPr lang="en-US" altLang="ko-KR" sz="1100" dirty="0"/>
+              <a:t>  </a:t>
+            </a:r>
+            <a:r>
+              <a:rPr lang="en-US" altLang="ko-KR" sz="1100" dirty="0" err="1"/>
+              <a:t>geom_text</a:t>
+            </a:r>
+            <a:r>
+              <a:rPr lang="en-US" altLang="ko-KR" sz="1100" dirty="0"/>
+              <a:t>(</a:t>
+            </a:r>
+            <a:r>
+              <a:rPr lang="en-US" altLang="ko-KR" sz="1100" dirty="0" err="1"/>
+              <a:t>aes</a:t>
+            </a:r>
+            <a:r>
+              <a:rPr lang="en-US" altLang="ko-KR" sz="1100" dirty="0"/>
+              <a:t>(y=</a:t>
+            </a:r>
+            <a:r>
+              <a:rPr lang="en-US" altLang="ko-KR" sz="1100" dirty="0" err="1"/>
+              <a:t>ypos</a:t>
+            </a:r>
+            <a:r>
+              <a:rPr lang="en-US" altLang="ko-KR" sz="1100" dirty="0"/>
+              <a:t>, label=</a:t>
+            </a:r>
+            <a:r>
+              <a:rPr lang="en-US" altLang="ko-KR" sz="1100" dirty="0" err="1"/>
+              <a:t>ylabel</a:t>
+            </a:r>
+            <a:r>
+              <a:rPr lang="en-US" altLang="ko-KR" sz="1100" dirty="0"/>
+              <a:t>), color='black')</a:t>
+            </a:r>
+          </a:p>
+        </p:txBody>
+      </p:sp>
+      <p:pic>
+        <p:nvPicPr>
+          <p:cNvPr id="3" name="그림 2" descr="스크린샷이(가) 표시된 사진&#10;&#10;자동 생성된 설명">
+            <a:extLst>
+              <a:ext uri="{FF2B5EF4-FFF2-40B4-BE49-F238E27FC236}">
+                <a16:creationId xmlns:a16="http://schemas.microsoft.com/office/drawing/2014/main" id="{3E95877C-5160-43DE-B16B-856CA252B116}"/>
+              </a:ext>
+            </a:extLst>
+          </p:cNvPr>
+          <p:cNvPicPr>
+            <a:picLocks noChangeAspect="1"/>
+          </p:cNvPicPr>
+          <p:nvPr/>
+        </p:nvPicPr>
+        <p:blipFill>
+          <a:blip r:embed="rId2">
+            <a:extLst>
+              <a:ext uri="{28A0092B-C50C-407E-A947-70E740481C1C}">
+                <a14:useLocalDpi xmlns:a14="http://schemas.microsoft.com/office/drawing/2010/main" val="0"/>
+              </a:ext>
+            </a:extLst>
+          </a:blip>
+          <a:stretch>
+            <a:fillRect/>
+          </a:stretch>
+        </p:blipFill>
+        <p:spPr>
+          <a:xfrm>
+            <a:off x="7058032" y="1784959"/>
+            <a:ext cx="3810532" cy="4267796"/>
+          </a:xfrm>
+          <a:prstGeom prst="rect">
+            <a:avLst/>
+          </a:prstGeom>
+        </p:spPr>
+      </p:pic>
+      <p:sp>
+        <p:nvSpPr>
+          <p:cNvPr id="4" name="TextBox 3">
+            <a:extLst>
+              <a:ext uri="{FF2B5EF4-FFF2-40B4-BE49-F238E27FC236}">
+                <a16:creationId xmlns:a16="http://schemas.microsoft.com/office/drawing/2014/main" id="{C6E858F5-23E5-4800-B6B0-D9F985D97E55}"/>
+              </a:ext>
+            </a:extLst>
+          </p:cNvPr>
+          <p:cNvSpPr txBox="1"/>
+          <p:nvPr/>
+        </p:nvSpPr>
+        <p:spPr>
+          <a:xfrm>
+            <a:off x="509451" y="4164652"/>
+            <a:ext cx="6115777" cy="923330"/>
+          </a:xfrm>
+          <a:prstGeom prst="rect">
+            <a:avLst/>
+          </a:prstGeom>
+          <a:noFill/>
+        </p:spPr>
+        <p:txBody>
+          <a:bodyPr wrap="none" rtlCol="0">
+            <a:spAutoFit/>
+          </a:bodyPr>
+          <a:lstStyle/>
+          <a:p>
+            <a:r>
+              <a:rPr lang="ko-KR" altLang="en-US" dirty="0"/>
+              <a:t>빈도가 높은 단어 </a:t>
+            </a:r>
+            <a:r>
+              <a:rPr lang="en-US" altLang="ko-KR" dirty="0"/>
+              <a:t>10</a:t>
+            </a:r>
+            <a:r>
+              <a:rPr lang="ko-KR" altLang="en-US" dirty="0"/>
+              <a:t>개를 추출한다</a:t>
+            </a:r>
+            <a:r>
+              <a:rPr lang="en-US" altLang="ko-KR" dirty="0"/>
+              <a:t>.</a:t>
+            </a:r>
+          </a:p>
+          <a:p>
+            <a:r>
+              <a:rPr lang="ko-KR" altLang="en-US" dirty="0"/>
+              <a:t>데이터 전처리를 통해 비율을 구한 뒤</a:t>
+            </a:r>
+            <a:r>
+              <a:rPr lang="en-US" altLang="ko-KR" dirty="0"/>
+              <a:t>, </a:t>
+            </a:r>
+            <a:r>
+              <a:rPr lang="en-US" altLang="ko-KR" dirty="0" err="1"/>
+              <a:t>ggplot</a:t>
+            </a:r>
+            <a:r>
+              <a:rPr lang="ko-KR" altLang="en-US" dirty="0"/>
+              <a:t>을 사용하여</a:t>
+            </a:r>
+            <a:endParaRPr lang="en-US" altLang="ko-KR" dirty="0"/>
+          </a:p>
+          <a:p>
+            <a:r>
+              <a:rPr lang="ko-KR" altLang="en-US" dirty="0"/>
+              <a:t>원그래프를 그린다</a:t>
+            </a:r>
+            <a:r>
+              <a:rPr lang="en-US" altLang="ko-KR" dirty="0"/>
+              <a:t>. </a:t>
+            </a:r>
+            <a:endParaRPr lang="ko-KR" altLang="en-US" dirty="0"/>
+          </a:p>
+        </p:txBody>
+      </p:sp>
+    </p:spTree>
+    <p:extLst>
+      <p:ext uri="{BB962C8B-B14F-4D97-AF65-F5344CB8AC3E}">
+        <p14:creationId xmlns:p14="http://schemas.microsoft.com/office/powerpoint/2010/main" val="2141813719"/>
+      </p:ext>
+    </p:extLst>
+  </p:cSld>
+  <p:clrMapOvr>
+    <a:masterClrMapping/>
+  </p:clrMapOvr>
+</p:sld>
+</file>
+
+<file path=ppt/slides/slide4.xml><?xml version="1.0" encoding="utf-8"?>
+<p:sld xmlns:a="http://schemas.openxmlformats.org/drawingml/2006/main" xmlns:r="http://schemas.openxmlformats.org/officeDocument/2006/relationships" xmlns:p="http://schemas.openxmlformats.org/presentationml/2006/main">
+  <p:cSld>
+    <p:spTree>
+      <p:nvGrpSpPr>
+        <p:cNvPr id="1" name=""/>
+        <p:cNvGrpSpPr/>
+        <p:nvPr/>
+      </p:nvGrpSpPr>
+      <p:grpSpPr>
+        <a:xfrm>
+          <a:off x="0" y="0"/>
+          <a:ext cx="0" cy="0"/>
+          <a:chOff x="0" y="0"/>
+          <a:chExt cx="0" cy="0"/>
+        </a:xfrm>
+      </p:grpSpPr>
+      <p:sp>
+        <p:nvSpPr>
+          <p:cNvPr id="2" name="TextBox 1">
+            <a:extLst>
+              <a:ext uri="{FF2B5EF4-FFF2-40B4-BE49-F238E27FC236}">
+                <a16:creationId xmlns:a16="http://schemas.microsoft.com/office/drawing/2014/main" id="{CE117617-1A86-4ECF-A12F-5981D7ED3482}"/>
+              </a:ext>
+            </a:extLst>
+          </p:cNvPr>
+          <p:cNvSpPr txBox="1"/>
+          <p:nvPr/>
+        </p:nvSpPr>
+        <p:spPr>
+          <a:xfrm>
+            <a:off x="392475" y="282854"/>
+            <a:ext cx="2848857" cy="1277273"/>
+          </a:xfrm>
+          <a:prstGeom prst="rect">
+            <a:avLst/>
+          </a:prstGeom>
+          <a:noFill/>
+        </p:spPr>
+        <p:txBody>
+          <a:bodyPr wrap="none" rtlCol="0">
+            <a:spAutoFit/>
+          </a:bodyPr>
+          <a:lstStyle/>
+          <a:p>
+            <a:endParaRPr lang="en-US" altLang="ko-KR" sz="1100" dirty="0"/>
+          </a:p>
+          <a:p>
+            <a:r>
+              <a:rPr lang="en-US" altLang="ko-KR" sz="1100" dirty="0"/>
+              <a:t># bar graph</a:t>
+            </a:r>
+          </a:p>
+          <a:p>
+            <a:endParaRPr lang="en-US" altLang="ko-KR" sz="1100" dirty="0"/>
+          </a:p>
+          <a:p>
+            <a:r>
+              <a:rPr lang="en-US" altLang="ko-KR" sz="1100" dirty="0" err="1"/>
+              <a:t>ggplot</a:t>
+            </a:r>
+            <a:r>
+              <a:rPr lang="en-US" altLang="ko-KR" sz="1100" dirty="0"/>
+              <a:t>(df_top10, </a:t>
+            </a:r>
+            <a:r>
+              <a:rPr lang="en-US" altLang="ko-KR" sz="1100" dirty="0" err="1"/>
+              <a:t>aes</a:t>
+            </a:r>
+            <a:r>
+              <a:rPr lang="en-US" altLang="ko-KR" sz="1100" dirty="0"/>
+              <a:t>(x=rev, y=Freq)) +</a:t>
+            </a:r>
+          </a:p>
+          <a:p>
+            <a:r>
+              <a:rPr lang="en-US" altLang="ko-KR" sz="1100" dirty="0"/>
+              <a:t>  </a:t>
+            </a:r>
+            <a:r>
+              <a:rPr lang="en-US" altLang="ko-KR" sz="1100" dirty="0" err="1"/>
+              <a:t>geom_bar</a:t>
+            </a:r>
+            <a:r>
+              <a:rPr lang="en-US" altLang="ko-KR" sz="1100" dirty="0"/>
+              <a:t>(stat='identity', </a:t>
+            </a:r>
+            <a:r>
+              <a:rPr lang="en-US" altLang="ko-KR" sz="1100" dirty="0" err="1"/>
+              <a:t>aes</a:t>
+            </a:r>
+            <a:r>
+              <a:rPr lang="en-US" altLang="ko-KR" sz="1100" dirty="0"/>
+              <a:t>(fill=rev)) +</a:t>
+            </a:r>
+          </a:p>
+          <a:p>
+            <a:r>
+              <a:rPr lang="en-US" altLang="ko-KR" sz="1100" dirty="0"/>
+              <a:t>  </a:t>
+            </a:r>
+            <a:r>
+              <a:rPr lang="en-US" altLang="ko-KR" sz="1100" dirty="0" err="1"/>
+              <a:t>ggtitle</a:t>
+            </a:r>
+            <a:r>
+              <a:rPr lang="en-US" altLang="ko-KR" sz="1100" dirty="0"/>
+              <a:t>('</a:t>
+            </a:r>
+            <a:r>
+              <a:rPr lang="ko-KR" altLang="en-US" sz="1100" dirty="0"/>
+              <a:t>힙합 가사 단어 분석 </a:t>
+            </a:r>
+            <a:r>
+              <a:rPr lang="en-US" altLang="ko-KR" sz="1100" dirty="0"/>
+              <a:t>top 10')</a:t>
+            </a:r>
+          </a:p>
+          <a:p>
+            <a:r>
+              <a:rPr lang="en-US" altLang="ko-KR" sz="1100" dirty="0"/>
+              <a:t> </a:t>
+            </a:r>
+            <a:endParaRPr lang="ko-KR" altLang="en-US" sz="1100" dirty="0"/>
+          </a:p>
+        </p:txBody>
+      </p:sp>
+      <p:pic>
+        <p:nvPicPr>
+          <p:cNvPr id="3" name="그림 2" descr="스크린샷이(가) 표시된 사진&#10;&#10;자동 생성된 설명">
+            <a:extLst>
+              <a:ext uri="{FF2B5EF4-FFF2-40B4-BE49-F238E27FC236}">
+                <a16:creationId xmlns:a16="http://schemas.microsoft.com/office/drawing/2014/main" id="{3DE084FE-057C-499C-882E-6C340D074C80}"/>
+              </a:ext>
+            </a:extLst>
+          </p:cNvPr>
+          <p:cNvPicPr>
+            <a:picLocks noChangeAspect="1"/>
+          </p:cNvPicPr>
+          <p:nvPr/>
+        </p:nvPicPr>
+        <p:blipFill>
+          <a:blip r:embed="rId2">
+            <a:extLst>
+              <a:ext uri="{28A0092B-C50C-407E-A947-70E740481C1C}">
+                <a14:useLocalDpi xmlns:a14="http://schemas.microsoft.com/office/drawing/2010/main" val="0"/>
+              </a:ext>
+            </a:extLst>
+          </a:blip>
+          <a:stretch>
+            <a:fillRect/>
+          </a:stretch>
+        </p:blipFill>
+        <p:spPr>
+          <a:xfrm>
+            <a:off x="6751054" y="1171005"/>
+            <a:ext cx="3810532" cy="4267796"/>
+          </a:xfrm>
+          <a:prstGeom prst="rect">
+            <a:avLst/>
+          </a:prstGeom>
+        </p:spPr>
+      </p:pic>
+      <p:sp>
+        <p:nvSpPr>
+          <p:cNvPr id="4" name="TextBox 3">
+            <a:extLst>
+              <a:ext uri="{FF2B5EF4-FFF2-40B4-BE49-F238E27FC236}">
+                <a16:creationId xmlns:a16="http://schemas.microsoft.com/office/drawing/2014/main" id="{ACBEF425-756D-49B5-8056-25D3CFA51ADF}"/>
+              </a:ext>
+            </a:extLst>
+          </p:cNvPr>
+          <p:cNvSpPr txBox="1"/>
+          <p:nvPr/>
+        </p:nvSpPr>
+        <p:spPr>
+          <a:xfrm>
+            <a:off x="156754" y="3936052"/>
+            <a:ext cx="6676828" cy="369332"/>
+          </a:xfrm>
+          <a:prstGeom prst="rect">
+            <a:avLst/>
+          </a:prstGeom>
+          <a:noFill/>
+        </p:spPr>
+        <p:txBody>
+          <a:bodyPr wrap="none" rtlCol="0">
+            <a:spAutoFit/>
+          </a:bodyPr>
+          <a:lstStyle/>
+          <a:p>
+            <a:r>
+              <a:rPr lang="ko-KR" altLang="en-US" dirty="0"/>
+              <a:t>원그래프에서 사용한 데이터를 이용하여 막대 그래프를 그린다</a:t>
+            </a:r>
+            <a:r>
+              <a:rPr lang="en-US" altLang="ko-KR" dirty="0"/>
+              <a:t>.</a:t>
+            </a:r>
+            <a:endParaRPr lang="ko-KR" altLang="en-US" dirty="0"/>
+          </a:p>
+        </p:txBody>
+      </p:sp>
+    </p:spTree>
+    <p:extLst>
+      <p:ext uri="{BB962C8B-B14F-4D97-AF65-F5344CB8AC3E}">
+        <p14:creationId xmlns:p14="http://schemas.microsoft.com/office/powerpoint/2010/main" val="3518404694"/>
+      </p:ext>
+    </p:extLst>
   </p:cSld>
   <p:clrMapOvr>
     <a:masterClrMapping/>
